--- a/thesisFigs/figure_2.pptx
+++ b/thesisFigs/figure_2.pptx
@@ -259,7 +259,7 @@
           <a:p>
             <a:fld id="{6C383EFE-D01A-4F92-8211-22284B581900}" type="datetimeFigureOut">
               <a:rPr lang="zh-TW" altLang="en-US" smtClean="0"/>
-              <a:t>2023/3/8</a:t>
+              <a:t>2023/5/5</a:t>
             </a:fld>
             <a:endParaRPr lang="zh-TW" altLang="en-US"/>
           </a:p>
@@ -457,7 +457,7 @@
           <a:p>
             <a:fld id="{6C383EFE-D01A-4F92-8211-22284B581900}" type="datetimeFigureOut">
               <a:rPr lang="zh-TW" altLang="en-US" smtClean="0"/>
-              <a:t>2023/3/8</a:t>
+              <a:t>2023/5/5</a:t>
             </a:fld>
             <a:endParaRPr lang="zh-TW" altLang="en-US"/>
           </a:p>
@@ -665,7 +665,7 @@
           <a:p>
             <a:fld id="{6C383EFE-D01A-4F92-8211-22284B581900}" type="datetimeFigureOut">
               <a:rPr lang="zh-TW" altLang="en-US" smtClean="0"/>
-              <a:t>2023/3/8</a:t>
+              <a:t>2023/5/5</a:t>
             </a:fld>
             <a:endParaRPr lang="zh-TW" altLang="en-US"/>
           </a:p>
@@ -863,7 +863,7 @@
           <a:p>
             <a:fld id="{6C383EFE-D01A-4F92-8211-22284B581900}" type="datetimeFigureOut">
               <a:rPr lang="zh-TW" altLang="en-US" smtClean="0"/>
-              <a:t>2023/3/8</a:t>
+              <a:t>2023/5/5</a:t>
             </a:fld>
             <a:endParaRPr lang="zh-TW" altLang="en-US"/>
           </a:p>
@@ -1138,7 +1138,7 @@
           <a:p>
             <a:fld id="{6C383EFE-D01A-4F92-8211-22284B581900}" type="datetimeFigureOut">
               <a:rPr lang="zh-TW" altLang="en-US" smtClean="0"/>
-              <a:t>2023/3/8</a:t>
+              <a:t>2023/5/5</a:t>
             </a:fld>
             <a:endParaRPr lang="zh-TW" altLang="en-US"/>
           </a:p>
@@ -1403,7 +1403,7 @@
           <a:p>
             <a:fld id="{6C383EFE-D01A-4F92-8211-22284B581900}" type="datetimeFigureOut">
               <a:rPr lang="zh-TW" altLang="en-US" smtClean="0"/>
-              <a:t>2023/3/8</a:t>
+              <a:t>2023/5/5</a:t>
             </a:fld>
             <a:endParaRPr lang="zh-TW" altLang="en-US"/>
           </a:p>
@@ -1815,7 +1815,7 @@
           <a:p>
             <a:fld id="{6C383EFE-D01A-4F92-8211-22284B581900}" type="datetimeFigureOut">
               <a:rPr lang="zh-TW" altLang="en-US" smtClean="0"/>
-              <a:t>2023/3/8</a:t>
+              <a:t>2023/5/5</a:t>
             </a:fld>
             <a:endParaRPr lang="zh-TW" altLang="en-US"/>
           </a:p>
@@ -1956,7 +1956,7 @@
           <a:p>
             <a:fld id="{6C383EFE-D01A-4F92-8211-22284B581900}" type="datetimeFigureOut">
               <a:rPr lang="zh-TW" altLang="en-US" smtClean="0"/>
-              <a:t>2023/3/8</a:t>
+              <a:t>2023/5/5</a:t>
             </a:fld>
             <a:endParaRPr lang="zh-TW" altLang="en-US"/>
           </a:p>
@@ -2069,7 +2069,7 @@
           <a:p>
             <a:fld id="{6C383EFE-D01A-4F92-8211-22284B581900}" type="datetimeFigureOut">
               <a:rPr lang="zh-TW" altLang="en-US" smtClean="0"/>
-              <a:t>2023/3/8</a:t>
+              <a:t>2023/5/5</a:t>
             </a:fld>
             <a:endParaRPr lang="zh-TW" altLang="en-US"/>
           </a:p>
@@ -2380,7 +2380,7 @@
           <a:p>
             <a:fld id="{6C383EFE-D01A-4F92-8211-22284B581900}" type="datetimeFigureOut">
               <a:rPr lang="zh-TW" altLang="en-US" smtClean="0"/>
-              <a:t>2023/3/8</a:t>
+              <a:t>2023/5/5</a:t>
             </a:fld>
             <a:endParaRPr lang="zh-TW" altLang="en-US"/>
           </a:p>
@@ -2668,7 +2668,7 @@
           <a:p>
             <a:fld id="{6C383EFE-D01A-4F92-8211-22284B581900}" type="datetimeFigureOut">
               <a:rPr lang="zh-TW" altLang="en-US" smtClean="0"/>
-              <a:t>2023/3/8</a:t>
+              <a:t>2023/5/5</a:t>
             </a:fld>
             <a:endParaRPr lang="zh-TW" altLang="en-US"/>
           </a:p>
@@ -2909,7 +2909,7 @@
           <a:p>
             <a:fld id="{6C383EFE-D01A-4F92-8211-22284B581900}" type="datetimeFigureOut">
               <a:rPr lang="zh-TW" altLang="en-US" smtClean="0"/>
-              <a:t>2023/3/8</a:t>
+              <a:t>2023/5/5</a:t>
             </a:fld>
             <a:endParaRPr lang="zh-TW" altLang="en-US"/>
           </a:p>
@@ -3470,8 +3470,12 @@
           <a:p>
             <a:pPr algn="ctr"/>
             <a:r>
+              <a:rPr lang="en-US" altLang="zh-TW" sz="2800"/>
+              <a:t>Lower </a:t>
+            </a:r>
+            <a:r>
               <a:rPr lang="en-US" altLang="zh-TW" sz="2800" dirty="0"/>
-              <a:t>Upper leg </a:t>
+              <a:t>leg </a:t>
             </a:r>
             <a:endParaRPr lang="zh-TW" altLang="en-US" sz="2800" dirty="0"/>
           </a:p>
